--- a/PyCBC basics.pptx
+++ b/PyCBC basics.pptx
@@ -8,7 +8,7 @@
     <p:notesMasterId r:id="rId4"/>
   </p:notesMasterIdLst>
   <p:handoutMasterIdLst>
-    <p:handoutMasterId r:id="rId24"/>
+    <p:handoutMasterId r:id="rId25"/>
   </p:handoutMasterIdLst>
   <p:sldIdLst>
     <p:sldId id="256" r:id="rId3"/>
@@ -30,7 +30,8 @@
     <p:sldId id="272" r:id="rId20"/>
     <p:sldId id="273" r:id="rId21"/>
     <p:sldId id="274" r:id="rId22"/>
-    <p:sldId id="276" r:id="rId23"/>
+    <p:sldId id="277" r:id="rId23"/>
+    <p:sldId id="276" r:id="rId24"/>
   </p:sldIdLst>
   <p:sldSz cx="12192000" cy="6858000"/>
   <p:notesSz cx="7103745" cy="10234295"/>
@@ -1420,6 +1421,71 @@
 </file>
 
 <file path=ppt/notesSlides/notesSlide20.xml><?xml version="1.0" encoding="utf-8"?>
+<p:notes xmlns:a="http://schemas.openxmlformats.org/drawingml/2006/main" xmlns:r="http://schemas.openxmlformats.org/officeDocument/2006/relationships" xmlns:p="http://schemas.openxmlformats.org/presentationml/2006/main">
+  <p:cSld>
+    <p:spTree>
+      <p:nvGrpSpPr>
+        <p:cNvPr id="1" name=""/>
+        <p:cNvGrpSpPr/>
+        <p:nvPr/>
+      </p:nvGrpSpPr>
+      <p:grpSpPr/>
+      <p:sp>
+        <p:nvSpPr>
+          <p:cNvPr id="2" name="Slide Image Placeholder 1"/>
+          <p:cNvSpPr/>
+          <p:nvPr>
+            <p:ph type="sldImg" idx="2"/>
+          </p:nvPr>
+        </p:nvSpPr>
+        <p:spPr/>
+      </p:sp>
+      <p:sp>
+        <p:nvSpPr>
+          <p:cNvPr id="3" name="Text Placeholder 2"/>
+          <p:cNvSpPr/>
+          <p:nvPr>
+            <p:ph type="body" idx="3"/>
+          </p:nvPr>
+        </p:nvSpPr>
+        <p:spPr/>
+        <p:txBody>
+          <a:bodyPr/>
+          <a:p>
+            <a:endParaRPr lang="en-US"/>
+          </a:p>
+        </p:txBody>
+      </p:sp>
+      <p:sp>
+        <p:nvSpPr>
+          <p:cNvPr id="4" name="Slide Number Placeholder 3"/>
+          <p:cNvSpPr>
+            <a:spLocks noGrp="1"/>
+          </p:cNvSpPr>
+          <p:nvPr>
+            <p:ph type="sldNum" sz="quarter" idx="5"/>
+          </p:nvPr>
+        </p:nvSpPr>
+        <p:spPr/>
+        <p:txBody>
+          <a:bodyPr/>
+          <a:p>
+            <a:fld id="{85D0DACE-38E0-42D2-9336-2B707D34BC6D}" type="slidenum">
+              <a:rPr lang="zh-CN" altLang="en-US" smtClean="0"/>
+            </a:fld>
+            <a:endParaRPr lang="zh-CN" altLang="en-US"/>
+          </a:p>
+        </p:txBody>
+      </p:sp>
+    </p:spTree>
+  </p:cSld>
+  <p:clrMapOvr>
+    <a:masterClrMapping/>
+  </p:clrMapOvr>
+</p:notes>
+</file>
+
+<file path=ppt/notesSlides/notesSlide21.xml><?xml version="1.0" encoding="utf-8"?>
 <p:notes xmlns:a="http://schemas.openxmlformats.org/drawingml/2006/main" xmlns:r="http://schemas.openxmlformats.org/officeDocument/2006/relationships" xmlns:p="http://schemas.openxmlformats.org/presentationml/2006/main">
   <p:cSld>
     <p:spTree>
@@ -4829,12 +4895,8 @@
           <a:bodyPr/>
           <a:p>
             <a:r>
-              <a:rPr lang="" altLang="en-US"/>
-              <a:t>Py</a:t>
-            </a:r>
-            <a:r>
               <a:rPr lang="en-US" altLang="en-US"/>
-              <a:t>CBC basics</a:t>
+              <a:t>PyCBC basics</a:t>
             </a:r>
             <a:endParaRPr lang="en-US" altLang="en-US"/>
           </a:p>
@@ -4931,7 +4993,7 @@
               <a:rPr lang="en-US" altLang="en-US"/>
               <a:t>Detectors</a:t>
             </a:r>
-            <a:endParaRPr lang="" altLang="en-US"/>
+            <a:endParaRPr lang="en-US" altLang="en-US"/>
           </a:p>
         </p:txBody>
       </p:sp>
@@ -5066,12 +5128,8 @@
           </a:bodyPr>
           <a:p>
             <a:r>
-              <a:rPr lang="" altLang="en-US"/>
-              <a:t>Py</a:t>
-            </a:r>
-            <a:r>
               <a:rPr lang="en-US" altLang="en-US"/>
-              <a:t>CBC catalog package contains some merger events.</a:t>
+              <a:t>PyCBC catalog package contains some merger events.</a:t>
             </a:r>
             <a:endParaRPr lang="en-US" altLang="en-US"/>
           </a:p>
@@ -5298,15 +5356,9 @@
               <a:rPr lang="en-US" altLang="en-US">
                 <a:sym typeface="+mn-ea"/>
               </a:rPr>
-              <a:t>Example 1: GW amplitude from a handshake</a:t>
-            </a:r>
-            <a:r>
-              <a:rPr lang="" altLang="en-US">
-                <a:sym typeface="+mn-ea"/>
-              </a:rPr>
-              <a:t>*</a:t>
-            </a:r>
-            <a:endParaRPr lang="" altLang="en-US">
+              <a:t>Example 1: GW amplitude from a handshake*</a:t>
+            </a:r>
+            <a:endParaRPr lang="en-US" altLang="en-US">
               <a:sym typeface="+mn-ea"/>
             </a:endParaRPr>
           </a:p>
@@ -5375,23 +5427,7 @@
             </a:pPr>
             <a:r>
               <a:rPr lang="en-US" altLang="en-US"/>
-              <a:t>Use </a:t>
-            </a:r>
-            <a:r>
-              <a:rPr lang="" altLang="en-US"/>
-              <a:t>Py</a:t>
-            </a:r>
-            <a:r>
-              <a:rPr lang="en-US" altLang="en-US"/>
-              <a:t>CBC to simulate this hand shake. Because the minimum mass of </a:t>
-            </a:r>
-            <a:r>
-              <a:rPr lang="" altLang="en-US"/>
-              <a:t>Py</a:t>
-            </a:r>
-            <a:r>
-              <a:rPr lang="en-US" altLang="en-US"/>
-              <a:t>CBC algorithm is 1 M</a:t>
+              <a:t>Use PyCBC to simulate this hand shake. Because the minimum mass of PyCBC algorithm is 1 M</a:t>
             </a:r>
             <a:r>
               <a:rPr lang="en-US" altLang="en-US" sz="1200"/>
@@ -7301,21 +7337,7 @@
                     <a:latin typeface="DejaVu Math TeX Gyre" panose="02000503000000000000" charset="0"/>
                     <a:cs typeface="DejaVu Math TeX Gyre" panose="02000503000000000000" charset="0"/>
                   </a:rPr>
-                  <a:t>In time domain, GW amplitude can be expressed like this equation</a:t>
-                </a:r>
-                <a:r>
-                  <a:rPr lang="" altLang="en-US">
-                    <a:latin typeface="DejaVu Math TeX Gyre" panose="02000503000000000000" charset="0"/>
-                    <a:cs typeface="DejaVu Math TeX Gyre" panose="02000503000000000000" charset="0"/>
-                  </a:rPr>
-                  <a:t>[1]</a:t>
-                </a:r>
-                <a:r>
-                  <a:rPr lang="en-US" altLang="en-US">
-                    <a:latin typeface="DejaVu Math TeX Gyre" panose="02000503000000000000" charset="0"/>
-                    <a:cs typeface="DejaVu Math TeX Gyre" panose="02000503000000000000" charset="0"/>
-                  </a:rPr>
-                  <a:t>: </a:t>
+                  <a:t>In time domain, GW amplitude can be expressed like this equation[1]: </a:t>
                 </a:r>
                 <a:endParaRPr lang="en-US" altLang="en-US" i="1">
                   <a:latin typeface="DejaVu Math TeX Gyre" panose="02000503000000000000" charset="0"/>
@@ -8634,21 +8656,6 @@
           </a:bodyPr>
           <a:p>
             <a:r>
-              <a:rPr lang="" altLang="en-US">
-                <a:solidFill>
-                  <a:schemeClr val="tx1"/>
-                </a:solidFill>
-                <a:effectLst>
-                  <a:outerShdw blurRad="38100" dist="19050" dir="2700000" algn="tl" rotWithShape="0">
-                    <a:schemeClr val="dk1">
-                      <a:alpha val="40000"/>
-                    </a:schemeClr>
-                  </a:outerShdw>
-                </a:effectLst>
-              </a:rPr>
-              <a:t>Py</a:t>
-            </a:r>
-            <a:r>
               <a:rPr lang="en-US" altLang="en-US">
                 <a:solidFill>
                   <a:schemeClr val="tx1"/>
@@ -8661,7 +8668,7 @@
                   </a:outerShdw>
                 </a:effectLst>
               </a:rPr>
-              <a:t>CBC algorithm</a:t>
+              <a:t>PyCBC algorithm</a:t>
             </a:r>
             <a:endParaRPr lang="en-US" altLang="en-US">
               <a:solidFill>
@@ -8776,30 +8783,24 @@
           </a:bodyPr>
           <a:p>
             <a:r>
-              <a:rPr lang="" altLang="en-US" sz="1200"/>
+              <a:rPr lang="en-US" altLang="en-US" sz="1200"/>
               <a:t>[1] </a:t>
             </a:r>
             <a:r>
               <a:rPr lang="en-US" altLang="en-US" sz="1200">
                 <a:sym typeface="+mn-ea"/>
               </a:rPr>
-              <a:t>Yoshinori Fujii</a:t>
-            </a:r>
-            <a:r>
-              <a:rPr lang="" altLang="en-US" sz="1200">
-                <a:sym typeface="+mn-ea"/>
-              </a:rPr>
-              <a:t>, </a:t>
+              <a:t>Yoshinori Fujii, </a:t>
             </a:r>
             <a:r>
               <a:rPr lang="en-US" sz="1200" i="1"/>
               <a:t>Fast localization of coalescing binaries with gravitational wave detectors and low frequency vibration isolation for KAGRA</a:t>
             </a:r>
             <a:r>
-              <a:rPr lang="" altLang="en-US" sz="1200" i="1"/>
+              <a:rPr lang="en-US" altLang="en-US" sz="1200" i="1"/>
               <a:t>, 2020</a:t>
             </a:r>
-            <a:endParaRPr lang="" altLang="en-US" sz="1200" i="1"/>
+            <a:endParaRPr lang="en-US" altLang="en-US" sz="1200" i="1"/>
           </a:p>
         </p:txBody>
       </p:sp>
@@ -8887,15 +8888,7 @@
                 </a:pPr>
                 <a:r>
                   <a:rPr lang="en-US" altLang="en-US"/>
-                  <a:t>Use </a:t>
-                </a:r>
-                <a:r>
-                  <a:rPr lang="" altLang="en-US"/>
-                  <a:t>Py</a:t>
-                </a:r>
-                <a:r>
-                  <a:rPr lang="en-US" altLang="en-US"/>
-                  <a:t>CBC to </a:t>
+                  <a:t>Use PyCBC to </a:t>
                 </a:r>
                 <a:r>
                   <a:rPr lang="en-US" altLang="en-US">
@@ -10894,15 +10887,7 @@
           <a:p>
             <a:r>
               <a:rPr lang="en-US" altLang="en-US"/>
-              <a:t>Generate template waveform using </a:t>
-            </a:r>
-            <a:r>
-              <a:rPr lang="" altLang="en-US"/>
-              <a:t>Py</a:t>
-            </a:r>
-            <a:r>
-              <a:rPr lang="en-US" altLang="en-US"/>
-              <a:t>CBC.</a:t>
+              <a:t>Generate template waveform using PyCBC.</a:t>
             </a:r>
             <a:endParaRPr lang="en-US" altLang="en-US"/>
           </a:p>
@@ -10932,23 +10917,7 @@
             </a:pPr>
             <a:r>
               <a:rPr lang="en-US" altLang="en-US"/>
-              <a:t>(NO </a:t>
-            </a:r>
-            <a:r>
-              <a:rPr lang="" altLang="en-US"/>
-              <a:t>'</a:t>
-            </a:r>
-            <a:r>
-              <a:rPr lang="en-US" altLang="en-US"/>
-              <a:t>SPACE</a:t>
-            </a:r>
-            <a:r>
-              <a:rPr lang="" altLang="en-US"/>
-              <a:t>'</a:t>
-            </a:r>
-            <a:r>
-              <a:rPr lang="en-US" altLang="en-US"/>
-              <a:t> IN THE FOLDER NAME!)</a:t>
+              <a:t>(NO 'SPACE' IN THE FOLDER NAME!)</a:t>
             </a:r>
             <a:endParaRPr lang="en-US" altLang="en-US"/>
           </a:p>
@@ -11041,15 +11010,7 @@
             </a:pPr>
             <a:r>
               <a:rPr lang="en-US" altLang="en-US" sz="1800"/>
-              <a:t>Install </a:t>
-            </a:r>
-            <a:r>
-              <a:rPr lang="" altLang="en-US" sz="1800"/>
-              <a:t>Py</a:t>
-            </a:r>
-            <a:r>
-              <a:rPr lang="en-US" altLang="en-US" sz="1800"/>
-              <a:t>CBC and generate a waveform.</a:t>
+              <a:t>Install PyCBC and generate a waveform.</a:t>
             </a:r>
             <a:endParaRPr lang="en-US" altLang="en-US" sz="1800"/>
           </a:p>
@@ -11294,15 +11255,7 @@
           <a:p>
             <a:r>
               <a:rPr lang="en-US" altLang="en-US"/>
-              <a:t>What is </a:t>
-            </a:r>
-            <a:r>
-              <a:rPr lang="" altLang="en-US"/>
-              <a:t>Py</a:t>
-            </a:r>
-            <a:r>
-              <a:rPr lang="en-US" altLang="en-US"/>
-              <a:t>CBC?</a:t>
+              <a:t>What is PyCBC?</a:t>
             </a:r>
             <a:endParaRPr lang="en-US" altLang="en-US"/>
           </a:p>
@@ -11420,6 +11373,440 @@
           <a:p>
             <a:r>
               <a:rPr lang="en-US" altLang="en-US"/>
+              <a:t>Problems:</a:t>
+            </a:r>
+            <a:endParaRPr lang="en-US" altLang="en-US"/>
+          </a:p>
+        </p:txBody>
+      </p:sp>
+      <mc:AlternateContent xmlns:mc="http://schemas.openxmlformats.org/markup-compatibility/2006">
+        <mc:Choice xmlns:a14="http://schemas.microsoft.com/office/drawing/2010/main" Requires="a14">
+          <p:sp>
+            <p:nvSpPr>
+              <p:cNvPr id="3" name="Content Placeholder 2"/>
+              <p:cNvSpPr>
+                <a:spLocks noGrp="1"/>
+              </p:cNvSpPr>
+              <p:nvPr>
+                <p:ph idx="1"/>
+              </p:nvPr>
+            </p:nvSpPr>
+            <p:spPr>
+              <a:xfrm>
+                <a:off x="647700" y="1825625"/>
+                <a:ext cx="11379835" cy="4530725"/>
+              </a:xfrm>
+            </p:spPr>
+            <p:txBody>
+              <a:bodyPr>
+                <a:normAutofit lnSpcReduction="20000"/>
+              </a:bodyPr>
+              <a:p>
+                <a:pPr marL="342900" indent="-342900">
+                  <a:buAutoNum type="arabicPeriod"/>
+                </a:pPr>
+                <a:r>
+                  <a:rPr lang="en-US" altLang="en-US" sz="1800"/>
+                  <a:t>Install PyCBC and generate a waveform.</a:t>
+                </a:r>
+                <a:endParaRPr lang="en-US" altLang="en-US" sz="1800"/>
+              </a:p>
+              <a:p>
+                <a:pPr marL="342900" indent="-342900">
+                  <a:buAutoNum type="arabicPeriod"/>
+                </a:pPr>
+                <a:r>
+                  <a:rPr lang="en-US" altLang="en-US" sz="1800">
+                    <a:sym typeface="+mn-ea"/>
+                  </a:rPr>
+                  <a:t>How does the waveform change with the distance of the binary? </a:t>
+                </a:r>
+                <a:r>
+                  <a:rPr lang="en-US" altLang="en-US" sz="1800">
+                    <a:solidFill>
+                      <a:srgbClr val="FF0000"/>
+                    </a:solidFill>
+                    <a:sym typeface="+mn-ea"/>
+                  </a:rPr>
+                  <a:t>Inversely proportional</a:t>
+                </a:r>
+                <a:endParaRPr lang="en-US" altLang="en-US" sz="1800">
+                  <a:sym typeface="+mn-ea"/>
+                </a:endParaRPr>
+              </a:p>
+              <a:p>
+                <a:pPr marL="342900" indent="-342900">
+                  <a:buAutoNum type="arabicPeriod"/>
+                </a:pPr>
+                <a:r>
+                  <a:rPr lang="en-US" altLang="en-US" sz="1800">
+                    <a:sym typeface="+mn-ea"/>
+                  </a:rPr>
+                  <a:t>How does the waveform change with the masses of the binary?  </a:t>
+                </a:r>
+                <a14:m>
+                  <m:oMath xmlns:m="http://schemas.openxmlformats.org/officeDocument/2006/math">
+                    <m:r>
+                      <a:rPr lang="en-US" altLang="en-US" sz="1800" i="1">
+                        <a:solidFill>
+                          <a:srgbClr val="FF0000"/>
+                        </a:solidFill>
+                        <a:latin typeface="DejaVu Math TeX Gyre" panose="02000503000000000000" charset="0"/>
+                        <a:cs typeface="DejaVu Math TeX Gyre" panose="02000503000000000000" charset="0"/>
+                      </a:rPr>
+                      <m:t>ℎ</m:t>
+                    </m:r>
+                    <m:r>
+                      <a:rPr lang="en-US" altLang="en-US" sz="1800">
+                        <a:solidFill>
+                          <a:srgbClr val="FF0000"/>
+                        </a:solidFill>
+                        <a:latin typeface="DejaVu Math TeX Gyre" panose="02000503000000000000" charset="0"/>
+                      </a:rPr>
+                      <m:t>∝ </m:t>
+                    </m:r>
+                    <m:sSubSup>
+                      <m:sSubSupPr>
+                        <m:ctrlPr>
+                          <a:rPr lang="en-US" altLang="en-US" sz="1800" i="1">
+                            <a:solidFill>
+                              <a:srgbClr val="FF0000"/>
+                            </a:solidFill>
+                            <a:latin typeface="DejaVu Math TeX Gyre" panose="02000503000000000000" charset="0"/>
+                            <a:cs typeface="DejaVu Math TeX Gyre" panose="02000503000000000000" charset="0"/>
+                          </a:rPr>
+                        </m:ctrlPr>
+                      </m:sSubSupPr>
+                      <m:e>
+                        <m:r>
+                          <a:rPr lang="en-US" altLang="en-US" sz="1800" i="1">
+                            <a:solidFill>
+                              <a:srgbClr val="FF0000"/>
+                            </a:solidFill>
+                            <a:latin typeface="DejaVu Math TeX Gyre" panose="02000503000000000000" charset="0"/>
+                            <a:cs typeface="DejaVu Math TeX Gyre" panose="02000503000000000000" charset="0"/>
+                          </a:rPr>
+                          <m:t>𝑀</m:t>
+                        </m:r>
+                      </m:e>
+                      <m:sub>
+                        <m:r>
+                          <a:rPr lang="en-US" altLang="en-US" sz="1800" i="1">
+                            <a:solidFill>
+                              <a:srgbClr val="FF0000"/>
+                            </a:solidFill>
+                            <a:latin typeface="DejaVu Math TeX Gyre" panose="02000503000000000000" charset="0"/>
+                            <a:cs typeface="DejaVu Math TeX Gyre" panose="02000503000000000000" charset="0"/>
+                          </a:rPr>
+                          <m:t>𝑐ℎ𝑖𝑟𝑝</m:t>
+                        </m:r>
+                      </m:sub>
+                      <m:sup>
+                        <m:r>
+                          <a:rPr lang="en-US" altLang="en-US" sz="1800" i="1">
+                            <a:solidFill>
+                              <a:srgbClr val="FF0000"/>
+                            </a:solidFill>
+                            <a:latin typeface="DejaVu Math TeX Gyre" panose="02000503000000000000" charset="0"/>
+                            <a:cs typeface="DejaVu Math TeX Gyre" panose="02000503000000000000" charset="0"/>
+                          </a:rPr>
+                          <m:t>5</m:t>
+                        </m:r>
+                        <m:r>
+                          <a:rPr lang="en-US" altLang="en-US" sz="1800" i="1">
+                            <a:solidFill>
+                              <a:srgbClr val="FF0000"/>
+                            </a:solidFill>
+                            <a:latin typeface="DejaVu Math TeX Gyre" panose="02000503000000000000" charset="0"/>
+                            <a:cs typeface="DejaVu Math TeX Gyre" panose="02000503000000000000" charset="0"/>
+                          </a:rPr>
+                          <m:t>/</m:t>
+                        </m:r>
+                        <m:r>
+                          <a:rPr lang="en-US" altLang="en-US" sz="1800" i="1">
+                            <a:solidFill>
+                              <a:srgbClr val="FF0000"/>
+                            </a:solidFill>
+                            <a:latin typeface="DejaVu Math TeX Gyre" panose="02000503000000000000" charset="0"/>
+                            <a:cs typeface="DejaVu Math TeX Gyre" panose="02000503000000000000" charset="0"/>
+                          </a:rPr>
+                          <m:t>3</m:t>
+                        </m:r>
+                      </m:sup>
+                    </m:sSubSup>
+                  </m:oMath>
+                </a14:m>
+                <a:endParaRPr lang="en-US" altLang="en-US" sz="1800"/>
+              </a:p>
+              <a:p>
+                <a:pPr marL="342900" indent="-342900">
+                  <a:buAutoNum type="arabicPeriod"/>
+                </a:pPr>
+                <a:r>
+                  <a:rPr lang="en-US" altLang="en-US" sz="1800">
+                    <a:sym typeface="+mn-ea"/>
+                  </a:rPr>
+                  <a:t>Use GW150914 data to estimate the Hubble constant. </a:t>
+                </a:r>
+                <a:r>
+                  <a:rPr lang="en-US" altLang="en-US" sz="1800">
+                    <a:solidFill>
+                      <a:srgbClr val="FF0000"/>
+                    </a:solidFill>
+                    <a:sym typeface="+mn-ea"/>
+                  </a:rPr>
+                  <a:t>60.0</a:t>
+                </a:r>
+                <a:endParaRPr lang="en-US" altLang="en-US" sz="1800">
+                  <a:sym typeface="+mn-ea"/>
+                </a:endParaRPr>
+              </a:p>
+              <a:p>
+                <a:pPr marL="342900" indent="-342900">
+                  <a:buAutoNum type="arabicPeriod"/>
+                </a:pPr>
+                <a:r>
+                  <a:rPr lang="en-US" altLang="en-US" sz="1800">
+                    <a:sym typeface="+mn-ea"/>
+                  </a:rPr>
+                  <a:t>Try to estimate the black hole masses of GW150914. Compare your result with LIGO's data. </a:t>
+                </a:r>
+                <a:r>
+                  <a:rPr lang="en-US" altLang="en-US" sz="1800">
+                    <a:solidFill>
+                      <a:srgbClr val="FF0000"/>
+                    </a:solidFill>
+                    <a:sym typeface="+mn-ea"/>
+                  </a:rPr>
+                  <a:t>Mass1= 36, Mass2=37</a:t>
+                </a:r>
+                <a:endParaRPr lang="en-US" altLang="en-US" sz="1800">
+                  <a:solidFill>
+                    <a:srgbClr val="FF0000"/>
+                  </a:solidFill>
+                  <a:sym typeface="+mn-ea"/>
+                </a:endParaRPr>
+              </a:p>
+              <a:p>
+                <a:pPr marL="342900" indent="-342900">
+                  <a:buAutoNum type="arabicPeriod"/>
+                </a:pPr>
+                <a:r>
+                  <a:rPr lang="en-US" altLang="en-US" sz="1800">
+                    <a:sym typeface="+mn-ea"/>
+                  </a:rPr>
+                  <a:t>Get the position and light raveling time of LIGO Handford and Virgo, estimate the earth radius. Compare your result with the LIGO Livingston -- LIGO Hanford result. </a:t>
+                </a:r>
+                <a:r>
+                  <a:rPr lang="en-US" altLang="en-US" sz="1800">
+                    <a:solidFill>
+                      <a:srgbClr val="FF0000"/>
+                    </a:solidFill>
+                    <a:sym typeface="+mn-ea"/>
+                  </a:rPr>
+                  <a:t>6393km</a:t>
+                </a:r>
+                <a:endParaRPr lang="en-US" altLang="en-US" sz="1800">
+                  <a:sym typeface="+mn-ea"/>
+                </a:endParaRPr>
+              </a:p>
+              <a:p>
+                <a:pPr marL="342900" indent="-342900">
+                  <a:buAutoNum type="arabicPeriod"/>
+                </a:pPr>
+                <a:r>
+                  <a:rPr altLang="en-US" sz="1800">
+                    <a:sym typeface="+mn-ea"/>
+                  </a:rPr>
+                  <a:t>NGC 6240 is an ultraluminous infrared galaxy </a:t>
+                </a:r>
+                <a:r>
+                  <a:rPr lang="en-US" sz="1800">
+                    <a:sym typeface="+mn-ea"/>
+                  </a:rPr>
+                  <a:t>where is</a:t>
+                </a:r>
+                <a:r>
+                  <a:rPr altLang="en-US" sz="1800">
+                    <a:sym typeface="+mn-ea"/>
+                  </a:rPr>
+                  <a:t> 1</a:t>
+                </a:r>
+                <a:r>
+                  <a:rPr lang="en-US" sz="1800">
+                    <a:sym typeface="+mn-ea"/>
+                  </a:rPr>
+                  <a:t>02</a:t>
+                </a:r>
+                <a:r>
+                  <a:rPr altLang="en-US" sz="1800">
+                    <a:sym typeface="+mn-ea"/>
+                  </a:rPr>
+                  <a:t> Mpc far from earth. Researchers believe that in the centre of NGC 6240, two supermassive black holes are merging. Each of the supermassive black holes has over 90 million times the mass of the Sun. If the two supermassive black holes merge, how strong GW </a:t>
+                </a:r>
+                <a:r>
+                  <a:rPr lang="en-US" sz="1800">
+                    <a:sym typeface="+mn-ea"/>
+                  </a:rPr>
+                  <a:t>can </a:t>
+                </a:r>
+                <a:r>
+                  <a:rPr altLang="en-US" sz="1800">
+                    <a:sym typeface="+mn-ea"/>
+                  </a:rPr>
+                  <a:t>we detect? </a:t>
+                </a:r>
+                <a:r>
+                  <a:rPr lang="en-US" sz="1800">
+                    <a:sym typeface="+mn-ea"/>
+                  </a:rPr>
+                  <a:t>(Use the function of handshake simulation, and consider the distance.) </a:t>
+                </a:r>
+                <a:r>
+                  <a:rPr lang="en-US" altLang="en-US" sz="1800">
+                    <a:solidFill>
+                      <a:srgbClr val="FF0000"/>
+                    </a:solidFill>
+                    <a:sym typeface="+mn-ea"/>
+                  </a:rPr>
+                  <a:t>2.07*10^-15</a:t>
+                </a:r>
+                <a:endParaRPr lang="en-US" altLang="en-US" sz="1800">
+                  <a:solidFill>
+                    <a:srgbClr val="FF0000"/>
+                  </a:solidFill>
+                  <a:sym typeface="+mn-ea"/>
+                </a:endParaRPr>
+              </a:p>
+            </p:txBody>
+          </p:sp>
+        </mc:Choice>
+        <mc:Fallback>
+          <p:sp>
+            <p:nvSpPr>
+              <p:cNvPr id="3" name="Content Placeholder 2"/>
+              <p:cNvSpPr>
+                <a:spLocks noRot="1" noChangeAspect="1" noMove="1" noResize="1" noEditPoints="1" noAdjustHandles="1" noChangeArrowheads="1" noChangeShapeType="1" noTextEdit="1"/>
+              </p:cNvSpPr>
+              <p:nvPr>
+                <p:ph idx="1"/>
+              </p:nvPr>
+            </p:nvSpPr>
+            <p:spPr>
+              <a:xfrm>
+                <a:off x="647700" y="1825625"/>
+                <a:ext cx="11379835" cy="4530725"/>
+              </a:xfrm>
+              <a:blipFill rotWithShape="1">
+                <a:blip r:embed="rId1"/>
+                <a:stretch>
+                  <a:fillRect t="-406"/>
+                </a:stretch>
+              </a:blipFill>
+            </p:spPr>
+            <p:txBody>
+              <a:bodyPr/>
+              <a:lstStyle/>
+              <a:p>
+                <a:r>
+                  <a:rPr lang="en-US" altLang="en-US">
+                    <a:noFill/>
+                  </a:rPr>
+                  <a:t> </a:t>
+                </a:r>
+              </a:p>
+            </p:txBody>
+          </p:sp>
+        </mc:Fallback>
+      </mc:AlternateContent>
+      <p:sp>
+        <p:nvSpPr>
+          <p:cNvPr id="4" name="Text Box 3"/>
+          <p:cNvSpPr txBox="1"/>
+          <p:nvPr/>
+        </p:nvSpPr>
+        <p:spPr>
+          <a:xfrm>
+            <a:off x="763270" y="1280160"/>
+            <a:ext cx="8477885" cy="368300"/>
+          </a:xfrm>
+          <a:prstGeom prst="rect">
+            <a:avLst/>
+          </a:prstGeom>
+          <a:noFill/>
+        </p:spPr>
+        <p:txBody>
+          <a:bodyPr wrap="square" rtlCol="0">
+            <a:spAutoFit/>
+          </a:bodyPr>
+          <a:p>
+            <a:r>
+              <a:rPr lang="en-US"/>
+              <a:t>Optional topics for freshmen, you can also consider trying</a:t>
+            </a:r>
+            <a:r>
+              <a:rPr lang="en-US" altLang="en-US"/>
+              <a:t>.</a:t>
+            </a:r>
+            <a:endParaRPr lang="en-US" altLang="en-US"/>
+          </a:p>
+        </p:txBody>
+      </p:sp>
+      <p:sp>
+        <p:nvSpPr>
+          <p:cNvPr id="5" name="Slide Number Placeholder 4"/>
+          <p:cNvSpPr>
+            <a:spLocks noGrp="1"/>
+          </p:cNvSpPr>
+          <p:nvPr>
+            <p:ph type="sldNum" sz="quarter" idx="12"/>
+          </p:nvPr>
+        </p:nvSpPr>
+        <p:spPr/>
+        <p:txBody>
+          <a:bodyPr/>
+          <a:p>
+            <a:fld id="{49AE70B2-8BF9-45C0-BB95-33D1B9D3A854}" type="slidenum">
+              <a:rPr lang="zh-CN" altLang="en-US" smtClean="0"/>
+            </a:fld>
+            <a:endParaRPr lang="zh-CN" altLang="en-US"/>
+          </a:p>
+        </p:txBody>
+      </p:sp>
+    </p:spTree>
+  </p:cSld>
+  <p:clrMapOvr>
+    <a:masterClrMapping/>
+  </p:clrMapOvr>
+</p:sld>
+</file>
+
+<file path=ppt/slides/slide21.xml><?xml version="1.0" encoding="utf-8"?>
+<p:sld xmlns:a="http://schemas.openxmlformats.org/drawingml/2006/main" xmlns:r="http://schemas.openxmlformats.org/officeDocument/2006/relationships" xmlns:p="http://schemas.openxmlformats.org/presentationml/2006/main">
+  <p:cSld>
+    <p:spTree>
+      <p:nvGrpSpPr>
+        <p:cNvPr id="1" name=""/>
+        <p:cNvGrpSpPr/>
+        <p:nvPr/>
+      </p:nvGrpSpPr>
+      <p:grpSpPr/>
+      <p:sp>
+        <p:nvSpPr>
+          <p:cNvPr id="2" name="Title 1"/>
+          <p:cNvSpPr>
+            <a:spLocks noGrp="1"/>
+          </p:cNvSpPr>
+          <p:nvPr>
+            <p:ph type="title"/>
+          </p:nvPr>
+        </p:nvSpPr>
+        <p:spPr/>
+        <p:txBody>
+          <a:bodyPr/>
+          <a:p>
+            <a:r>
+              <a:rPr lang="en-US" altLang="en-US"/>
               <a:t>Appendix</a:t>
             </a:r>
             <a:endParaRPr lang="en-US" altLang="en-US"/>
@@ -11446,12 +11833,8 @@
           <a:bodyPr/>
           <a:p>
             <a:r>
-              <a:rPr lang="" altLang="en-US"/>
-              <a:t>Py</a:t>
-            </a:r>
-            <a:r>
               <a:rPr lang="en-US" altLang="en-US"/>
-              <a:t>CBC document: http://pycbc.org/pycbc/latest/html/</a:t>
+              <a:t>PyCBC document: http://pycbc.org/pycbc/latest/html/</a:t>
             </a:r>
             <a:endParaRPr lang="en-US" altLang="en-US"/>
           </a:p>
@@ -11465,30 +11848,14 @@
           <a:p>
             <a:r>
               <a:rPr lang="en-US" altLang="en-US"/>
-              <a:t>P</a:t>
-            </a:r>
-            <a:r>
-              <a:rPr lang="" altLang="en-US"/>
-              <a:t>y</a:t>
-            </a:r>
+              <a:t>Python tutorial: https://cs231n.github.io/python-numpy-tutorial/#lists</a:t>
+            </a:r>
+            <a:endParaRPr lang="en-US" altLang="en-US"/>
+          </a:p>
+          <a:p>
             <a:r>
               <a:rPr lang="en-US" altLang="en-US"/>
-              <a:t>thon tutorial: https://cs231n.github.io/python-numpy-tutorial/#lists</a:t>
-            </a:r>
-            <a:endParaRPr lang="en-US" altLang="en-US"/>
-          </a:p>
-          <a:p>
-            <a:r>
-              <a:rPr lang="en-US" altLang="en-US"/>
-              <a:t>Source code: https://github.com/liuyutin/</a:t>
-            </a:r>
-            <a:r>
-              <a:rPr lang="" altLang="en-US"/>
-              <a:t>Py</a:t>
-            </a:r>
-            <a:r>
-              <a:rPr lang="en-US" altLang="en-US"/>
-              <a:t>CBC-basics.git</a:t>
+              <a:t>Source code: https://github.com/liuyutin/PyCBC-basics.git</a:t>
             </a:r>
             <a:endParaRPr lang="en-US" altLang="en-US"/>
           </a:p>
@@ -11554,15 +11921,7 @@
           <a:p>
             <a:r>
               <a:rPr lang="en-US" altLang="en-US"/>
-              <a:t>Who can use </a:t>
-            </a:r>
-            <a:r>
-              <a:rPr lang="" altLang="en-US"/>
-              <a:t>Py</a:t>
-            </a:r>
-            <a:r>
-              <a:rPr lang="en-US" altLang="en-US"/>
-              <a:t>CBC?</a:t>
+              <a:t>Who can use PyCBC?</a:t>
             </a:r>
             <a:endParaRPr lang="en-US" altLang="en-US"/>
           </a:p>
@@ -11594,20 +11953,8 @@
               <a:buChar char="•"/>
             </a:pPr>
             <a:r>
-              <a:rPr lang="" altLang="en-US"/>
-              <a:t>Py</a:t>
-            </a:r>
-            <a:r>
               <a:rPr lang="en-US" altLang="en-US"/>
-              <a:t>CBC is a open source and free software. Not only LIGO and Virgo, everyone can access </a:t>
-            </a:r>
-            <a:r>
-              <a:rPr lang="" altLang="en-US"/>
-              <a:t>Py</a:t>
-            </a:r>
-            <a:r>
-              <a:rPr lang="en-US" altLang="en-US"/>
-              <a:t>CBC document and install it on their own computer.</a:t>
+              <a:t>PyCBC is a open source and free software. Not only LIGO and Virgo, everyone can access PyCBC document and install it on their own computer.</a:t>
             </a:r>
             <a:endParaRPr lang="en-US" altLang="en-US"/>
           </a:p>
@@ -11618,23 +11965,7 @@
             </a:pPr>
             <a:r>
               <a:rPr lang="en-US" altLang="en-US"/>
-              <a:t>If you use </a:t>
-            </a:r>
-            <a:r>
-              <a:rPr lang="" altLang="en-US"/>
-              <a:t>Py</a:t>
-            </a:r>
-            <a:r>
-              <a:rPr lang="en-US" altLang="en-US"/>
-              <a:t>CBC in your publications or projects, you must cite the publications that describe </a:t>
-            </a:r>
-            <a:r>
-              <a:rPr lang="" altLang="en-US"/>
-              <a:t>Py</a:t>
-            </a:r>
-            <a:r>
-              <a:rPr lang="en-US" altLang="en-US"/>
-              <a:t>CBC.</a:t>
+              <a:t>If you use PyCBC in your publications or projects, you must cite the publications that describe PyCBC.</a:t>
             </a:r>
             <a:endParaRPr lang="en-US" altLang="en-US"/>
           </a:p>
@@ -11701,15 +12032,7 @@
           <a:p>
             <a:r>
               <a:rPr lang="en-US" altLang="en-US"/>
-              <a:t>How to install </a:t>
-            </a:r>
-            <a:r>
-              <a:rPr lang="" altLang="en-US"/>
-              <a:t>Py</a:t>
-            </a:r>
-            <a:r>
-              <a:rPr lang="en-US" altLang="en-US"/>
-              <a:t>CBC?</a:t>
+              <a:t>How to install PyCBC?</a:t>
             </a:r>
             <a:endParaRPr lang="en-US" altLang="en-US"/>
           </a:p>
@@ -11742,15 +12065,7 @@
             </a:pPr>
             <a:r>
               <a:rPr lang="en-US" altLang="en-US"/>
-              <a:t>For Windows system, </a:t>
-            </a:r>
-            <a:r>
-              <a:rPr lang="" altLang="en-US"/>
-              <a:t>Py</a:t>
-            </a:r>
-            <a:r>
-              <a:rPr lang="en-US" altLang="en-US"/>
-              <a:t>CBC has to be installed under Docker.</a:t>
+              <a:t>For Windows system, PyCBC has to be installed under Docker.</a:t>
             </a:r>
             <a:endParaRPr lang="en-US" altLang="en-US"/>
           </a:p>
@@ -11761,15 +12076,7 @@
             </a:pPr>
             <a:r>
               <a:rPr lang="en-US" altLang="en-US"/>
-              <a:t>For Mac and Linux system, you can choose installing </a:t>
-            </a:r>
-            <a:r>
-              <a:rPr lang="" altLang="en-US"/>
-              <a:t>Py</a:t>
-            </a:r>
-            <a:r>
-              <a:rPr lang="en-US" altLang="en-US"/>
-              <a:t>CBC under Docker, or install it directly(recommend).</a:t>
+              <a:t>For Mac and Linux system, you can choose installing PyCBC under Docker, or install it directly(recommend).</a:t>
             </a:r>
             <a:endParaRPr lang="en-US" altLang="en-US"/>
           </a:p>
@@ -11779,12 +12086,8 @@
               <a:buChar char="•"/>
             </a:pPr>
             <a:r>
-              <a:rPr lang="" altLang="en-US"/>
-              <a:t>Py</a:t>
-            </a:r>
-            <a:r>
               <a:rPr lang="en-US" altLang="en-US"/>
-              <a:t>CBC supports Python2 only. I recommend to install Anaconda to manage the package versions.</a:t>
+              <a:t>PyCBC supports Python2 only. I recommend to install Anaconda to manage the package versions.</a:t>
             </a:r>
             <a:endParaRPr lang="en-US" altLang="en-US"/>
           </a:p>
@@ -11845,15 +12148,7 @@
           <a:p>
             <a:r>
               <a:rPr lang="en-US" altLang="en-US"/>
-              <a:t>What can </a:t>
-            </a:r>
-            <a:r>
-              <a:rPr lang="" altLang="en-US"/>
-              <a:t>Py</a:t>
-            </a:r>
-            <a:r>
-              <a:rPr lang="en-US" altLang="en-US"/>
-              <a:t>CBC do?</a:t>
+              <a:t>What can PyCBC do?</a:t>
             </a:r>
             <a:endParaRPr lang="en-US" altLang="en-US"/>
           </a:p>
@@ -11895,16 +12190,10 @@
               <a:buNone/>
             </a:pPr>
             <a:r>
-              <a:rPr lang="" altLang="en-US">
-                <a:sym typeface="+mn-ea"/>
-              </a:rPr>
-              <a:t>Py</a:t>
-            </a:r>
-            <a:r>
               <a:rPr lang="en-US" altLang="en-US">
                 <a:sym typeface="+mn-ea"/>
               </a:rPr>
-              <a:t>CBC can generate gravitational waves in Time domain or Frequency domain. </a:t>
+              <a:t>PyCBC can generate gravitational waves in Time domain or Frequency domain. </a:t>
             </a:r>
             <a:endParaRPr lang="en-US" altLang="en-US">
               <a:sym typeface="+mn-ea"/>
@@ -11951,15 +12240,7 @@
             </a:pPr>
             <a:r>
               <a:rPr lang="en-US" altLang="en-US"/>
-              <a:t>Currently, LIGO and Virgo mainly use </a:t>
-            </a:r>
-            <a:r>
-              <a:rPr lang="" altLang="en-US"/>
-              <a:t>Py</a:t>
-            </a:r>
-            <a:r>
-              <a:rPr lang="en-US" altLang="en-US"/>
-              <a:t>CBC to detect CBC events having a signal-to-noise ratio (SNR) higher than the threshold.</a:t>
+              <a:t>Currently, LIGO and Virgo mainly use PyCBC to detect CBC events having a signal-to-noise ratio (SNR) higher than the threshold.</a:t>
             </a:r>
             <a:endParaRPr lang="en-US" altLang="en-US"/>
           </a:p>
@@ -13289,12 +13570,8 @@
           </a:bodyPr>
           <a:p>
             <a:r>
-              <a:rPr lang="" altLang="en-US" sz="1400"/>
-              <a:t>Data file</a:t>
-            </a:r>
-            <a:r>
               <a:rPr lang="en-US" altLang="en-US" sz="1400"/>
-              <a:t> URL</a:t>
+              <a:t>Data file URL</a:t>
             </a:r>
             <a:endParaRPr lang="en-US" altLang="en-US" sz="1400"/>
           </a:p>
